--- a/res/LogoDesign.pptx
+++ b/res/LogoDesign.pptx
@@ -3380,10 +3380,10 @@
       </p:sp>
       <p:grpSp>
         <p:nvGrpSpPr>
-          <p:cNvPr id="15" name="Group 14">
-            <a:extLst>
-              <a:ext uri="{FF2B5EF4-FFF2-40B4-BE49-F238E27FC236}">
-                <a16:creationId xmlns:a16="http://schemas.microsoft.com/office/drawing/2014/main" id="{AAA932FB-43BA-5D4A-8D11-4957E25694FE}"/>
+          <p:cNvPr id="4" name="Group 3">
+            <a:extLst>
+              <a:ext uri="{FF2B5EF4-FFF2-40B4-BE49-F238E27FC236}">
+                <a16:creationId xmlns:a16="http://schemas.microsoft.com/office/drawing/2014/main" id="{41E96EC7-E046-7146-AB55-A671B28ACF3C}"/>
               </a:ext>
             </a:extLst>
           </p:cNvPr>
@@ -3392,10 +3392,10 @@
         </p:nvGrpSpPr>
         <p:grpSpPr>
           <a:xfrm>
-            <a:off x="3791196" y="207712"/>
-            <a:ext cx="4609608" cy="1598725"/>
-            <a:chOff x="3666519" y="147341"/>
-            <a:chExt cx="4609608" cy="1598725"/>
+            <a:off x="3792515" y="207712"/>
+            <a:ext cx="4606970" cy="1598725"/>
+            <a:chOff x="3793834" y="207712"/>
+            <a:chExt cx="4606970" cy="1598725"/>
           </a:xfrm>
         </p:grpSpPr>
         <p:sp>
@@ -3412,7 +3412,7 @@
           </p:nvSpPr>
           <p:spPr>
             <a:xfrm>
-              <a:off x="5257352" y="345353"/>
+              <a:off x="5382029" y="405724"/>
               <a:ext cx="3018775" cy="1323439"/>
             </a:xfrm>
             <a:prstGeom prst="rect">
@@ -3427,7 +3427,7 @@
             <a:lstStyle/>
             <a:p>
               <a:r>
-                <a:rPr lang="en-US" sz="8000" dirty="0" err="1">
+                <a:rPr lang="en-US" sz="8000" dirty="0">
                   <a:solidFill>
                     <a:schemeClr val="bg1"/>
                   </a:solidFill>
@@ -3437,47 +3437,128 @@
                 </a:rPr>
                 <a:t>MSpray</a:t>
               </a:r>
-              <a:endParaRPr lang="en-US" sz="8000" dirty="0">
-                <a:solidFill>
-                  <a:schemeClr val="bg1"/>
-                </a:solidFill>
-                <a:latin typeface="Abel" panose="02000506030000020004" pitchFamily="2" charset="0"/>
-                <a:ea typeface="Lato" panose="020F0502020204030203" pitchFamily="34" charset="0"/>
-                <a:cs typeface="Lato" panose="020F0502020204030203" pitchFamily="34" charset="0"/>
-              </a:endParaRPr>
             </a:p>
           </p:txBody>
         </p:sp>
-        <p:pic>
-          <p:nvPicPr>
-            <p:cNvPr id="12" name="Picture 11" descr="Icon&#10;&#10;Description automatically generated">
+        <p:grpSp>
+          <p:nvGrpSpPr>
+            <p:cNvPr id="3" name="Group 2">
               <a:extLst>
                 <a:ext uri="{FF2B5EF4-FFF2-40B4-BE49-F238E27FC236}">
-                  <a16:creationId xmlns:a16="http://schemas.microsoft.com/office/drawing/2014/main" id="{02069663-2D32-C64A-8D28-E9D3DDD1A807}"/>
+                  <a16:creationId xmlns:a16="http://schemas.microsoft.com/office/drawing/2014/main" id="{43551DE1-E603-FA44-983E-76268E3EBDC6}"/>
                 </a:ext>
               </a:extLst>
             </p:cNvPr>
-            <p:cNvPicPr>
-              <a:picLocks noChangeAspect="1"/>
-            </p:cNvPicPr>
+            <p:cNvGrpSpPr/>
             <p:nvPr/>
-          </p:nvPicPr>
-          <p:blipFill>
-            <a:blip r:embed="rId2"/>
-            <a:stretch>
-              <a:fillRect/>
-            </a:stretch>
-          </p:blipFill>
-          <p:spPr>
+          </p:nvGrpSpPr>
+          <p:grpSpPr>
             <a:xfrm>
-              <a:off x="3666519" y="147341"/>
+              <a:off x="3793834" y="207712"/>
               <a:ext cx="1629470" cy="1598725"/>
+              <a:chOff x="3765259" y="210887"/>
+              <a:chExt cx="1629470" cy="1598725"/>
             </a:xfrm>
-            <a:prstGeom prst="rect">
-              <a:avLst/>
-            </a:prstGeom>
-          </p:spPr>
-        </p:pic>
+          </p:grpSpPr>
+          <p:pic>
+            <p:nvPicPr>
+              <p:cNvPr id="12" name="Picture 11" descr="Icon&#10;&#10;Description automatically generated">
+                <a:extLst>
+                  <a:ext uri="{FF2B5EF4-FFF2-40B4-BE49-F238E27FC236}">
+                    <a16:creationId xmlns:a16="http://schemas.microsoft.com/office/drawing/2014/main" id="{02069663-2D32-C64A-8D28-E9D3DDD1A807}"/>
+                  </a:ext>
+                </a:extLst>
+              </p:cNvPr>
+              <p:cNvPicPr>
+                <a:picLocks noChangeAspect="1"/>
+              </p:cNvPicPr>
+              <p:nvPr/>
+            </p:nvPicPr>
+            <p:blipFill>
+              <a:blip r:embed="rId2">
+                <a:extLst>
+                  <a:ext uri="{BEBA8EAE-BF5A-486C-A8C5-ECC9F3942E4B}">
+                    <a14:imgProps xmlns:a14="http://schemas.microsoft.com/office/drawing/2010/main">
+                      <a14:imgLayer r:embed="rId3">
+                        <a14:imgEffect>
+                          <a14:backgroundRemoval t="2710" b="96241" l="4117" r="95026">
+                            <a14:foregroundMark x1="13808" y1="20192" x2="15352" y2="17570"/>
+                            <a14:foregroundMark x1="16123" y1="18619" x2="22556" y2="12413"/>
+                            <a14:foregroundMark x1="28473" y1="8654" x2="52230" y2="2710"/>
+                            <a14:foregroundMark x1="91767" y1="31469" x2="95111" y2="38462"/>
+                            <a14:foregroundMark x1="7376" y1="32867" x2="4117" y2="42657"/>
+                            <a14:foregroundMark x1="27873" y1="91084" x2="33276" y2="92832"/>
+                            <a14:foregroundMark x1="62350" y1="94056" x2="54974" y2="96241"/>
+                            <a14:backgroundMark x1="20669" y1="44231" x2="55746" y2="45105"/>
+                            <a14:backgroundMark x1="55746" y1="45105" x2="78473" y2="45017"/>
+                            <a14:backgroundMark x1="22213" y1="42657" x2="22213" y2="65822"/>
+                          </a14:backgroundRemoval>
+                        </a14:imgEffect>
+                      </a14:imgLayer>
+                    </a14:imgProps>
+                  </a:ext>
+                </a:extLst>
+              </a:blip>
+              <a:stretch>
+                <a:fillRect/>
+              </a:stretch>
+            </p:blipFill>
+            <p:spPr>
+              <a:xfrm>
+                <a:off x="3765259" y="210887"/>
+                <a:ext cx="1629470" cy="1598725"/>
+              </a:xfrm>
+              <a:prstGeom prst="rect">
+                <a:avLst/>
+              </a:prstGeom>
+            </p:spPr>
+          </p:pic>
+          <p:pic>
+            <p:nvPicPr>
+              <p:cNvPr id="6" name="Picture 5" descr="Icon&#10;&#10;Description automatically generated">
+                <a:extLst>
+                  <a:ext uri="{FF2B5EF4-FFF2-40B4-BE49-F238E27FC236}">
+                    <a16:creationId xmlns:a16="http://schemas.microsoft.com/office/drawing/2014/main" id="{A0D261E7-B06E-3E4C-8D93-E7890A2EFFEC}"/>
+                  </a:ext>
+                </a:extLst>
+              </p:cNvPr>
+              <p:cNvPicPr>
+                <a:picLocks noChangeAspect="1"/>
+              </p:cNvPicPr>
+              <p:nvPr/>
+            </p:nvPicPr>
+            <p:blipFill rotWithShape="1">
+              <a:blip r:embed="rId4">
+                <a:extLst>
+                  <a:ext uri="{BEBA8EAE-BF5A-486C-A8C5-ECC9F3942E4B}">
+                    <a14:imgProps xmlns:a14="http://schemas.microsoft.com/office/drawing/2010/main">
+                      <a14:imgLayer r:embed="rId5">
+                        <a14:imgEffect>
+                          <a14:backgroundRemoval t="10000" b="90000" l="10000" r="90000">
+                            <a14:foregroundMark x1="40223" y1="54371" x2="44340" y2="55944"/>
+                            <a14:foregroundMark x1="73156" y1="36888" x2="73585" y2="35839"/>
+                            <a14:foregroundMark x1="58405" y1="68444" x2="56003" y2="68619"/>
+                          </a14:backgroundRemoval>
+                        </a14:imgEffect>
+                      </a14:imgLayer>
+                    </a14:imgProps>
+                  </a:ext>
+                </a:extLst>
+              </a:blip>
+              <a:srcRect l="17911" t="26528" r="19738" b="27795"/>
+              <a:stretch/>
+            </p:blipFill>
+            <p:spPr>
+              <a:xfrm>
+                <a:off x="4083050" y="631825"/>
+                <a:ext cx="1016000" cy="730250"/>
+              </a:xfrm>
+              <a:prstGeom prst="rect">
+                <a:avLst/>
+              </a:prstGeom>
+            </p:spPr>
+          </p:pic>
+        </p:grpSp>
       </p:grpSp>
     </p:spTree>
     <p:extLst>
